--- a/resources/report/FinalProject.pptx
+++ b/resources/report/FinalProject.pptx
@@ -16,7 +16,9 @@
     <p:sldId id="264" r:id="rId10"/>
     <p:sldId id="265" r:id="rId11"/>
     <p:sldId id="266" r:id="rId12"/>
-    <p:sldId id="269" r:id="rId13"/>
+    <p:sldId id="270" r:id="rId13"/>
+    <p:sldId id="271" r:id="rId14"/>
+    <p:sldId id="269" r:id="rId15"/>
   </p:sldIdLst>
   <p:sldSz cx="12192000" cy="6858000"/>
   <p:notesSz cx="6858000" cy="9144000"/>
@@ -3104,11 +3106,7 @@
             <a:pPr algn="r" rtl="1"/>
             <a:r>
               <a:rPr lang="en-US" dirty="0" smtClean="0"/>
-              <a:t>Naive </a:t>
-            </a:r>
-            <a:r>
-              <a:rPr lang="en-US" dirty="0" smtClean="0"/>
-              <a:t>Bayes</a:t>
+              <a:t>Naive Bayes</a:t>
             </a:r>
             <a:endParaRPr lang="ar-SY" dirty="0"/>
           </a:p>
@@ -3192,11 +3190,7 @@
           <a:p>
             <a:r>
               <a:rPr lang="en-US" dirty="0" smtClean="0"/>
-              <a:t>Bag of words with </a:t>
-            </a:r>
-            <a:r>
-              <a:rPr lang="en-US" dirty="0" smtClean="0"/>
-              <a:t>Ridge classifier</a:t>
+              <a:t>Bag of words with Ridge classifier</a:t>
             </a:r>
           </a:p>
           <a:p>
@@ -3210,27 +3204,18 @@
               <a:rPr lang="en-US" dirty="0" smtClean="0"/>
               <a:t>TF_IDF with Ridge Classifier</a:t>
             </a:r>
-            <a:endParaRPr lang="en-US" dirty="0" smtClean="0"/>
           </a:p>
           <a:p>
             <a:r>
               <a:rPr lang="en-US" dirty="0" smtClean="0"/>
-              <a:t>TF-IDF with Naive </a:t>
-            </a:r>
+              <a:t>TF-IDF with Naive Bayes</a:t>
+            </a:r>
+            <a:endParaRPr lang="en-US" dirty="0"/>
+          </a:p>
+          <a:p>
             <a:r>
               <a:rPr lang="en-US" dirty="0" smtClean="0"/>
-              <a:t>Bayes</a:t>
-            </a:r>
-            <a:endParaRPr lang="en-US" dirty="0"/>
-          </a:p>
-          <a:p>
-            <a:r>
-              <a:rPr lang="en-US" dirty="0" smtClean="0"/>
-              <a:t>TF-IDF </a:t>
-            </a:r>
-            <a:r>
-              <a:rPr lang="en-US" dirty="0" smtClean="0"/>
-              <a:t>with SVM</a:t>
+              <a:t>TF-IDF with SVM</a:t>
             </a:r>
             <a:endParaRPr lang="en-US" dirty="0"/>
           </a:p>
@@ -3283,6 +3268,620 @@
           <a:p>
             <a:r>
               <a:rPr lang="en-US" dirty="0" smtClean="0"/>
+              <a:t>Model evaluation</a:t>
+            </a:r>
+            <a:endParaRPr lang="en-US" dirty="0"/>
+          </a:p>
+        </p:txBody>
+      </p:sp>
+      <mc:AlternateContent xmlns:mc="http://schemas.openxmlformats.org/markup-compatibility/2006" xmlns:a14="http://schemas.microsoft.com/office/drawing/2010/main">
+        <mc:Choice Requires="a14">
+          <p:sp>
+            <p:nvSpPr>
+              <p:cNvPr id="3" name="Content Placeholder 2"/>
+              <p:cNvSpPr>
+                <a:spLocks noGrp="1"/>
+              </p:cNvSpPr>
+              <p:nvPr>
+                <p:ph idx="1"/>
+              </p:nvPr>
+            </p:nvSpPr>
+            <p:spPr/>
+            <p:txBody>
+              <a:bodyPr/>
+              <a:lstStyle/>
+              <a:p>
+                <a:pPr algn="r" rtl="1"/>
+                <a:r>
+                  <a:rPr lang="ar-SY" dirty="0" smtClean="0"/>
+                  <a:t>يعتمد تقييم النتائج على ال</a:t>
+                </a:r>
+                <a:r>
+                  <a:rPr lang="en-US" dirty="0" smtClean="0"/>
+                  <a:t>Precision</a:t>
+                </a:r>
+                <a:r>
+                  <a:rPr lang="ar-SY" dirty="0" smtClean="0"/>
+                  <a:t> و ال</a:t>
+                </a:r>
+                <a:r>
+                  <a:rPr lang="en-US" dirty="0" smtClean="0"/>
+                  <a:t>Recall</a:t>
+                </a:r>
+                <a:r>
+                  <a:rPr lang="ar-SY" dirty="0" smtClean="0"/>
+                  <a:t> حيث:</a:t>
+                </a:r>
+                <a:endParaRPr lang="en-US" dirty="0" smtClean="0"/>
+              </a:p>
+              <a:p>
+                <a:pPr algn="r" rtl="1"/>
+                <a:endParaRPr lang="ar-SY" dirty="0" smtClean="0"/>
+              </a:p>
+              <a:p>
+                <a:pPr algn="r" rtl="1"/>
+                <a:r>
+                  <a:rPr lang="en-US" dirty="0" smtClean="0"/>
+                  <a:t>Precision</a:t>
+                </a:r>
+                <a:r>
+                  <a:rPr lang="ar-SY" dirty="0" smtClean="0"/>
+                  <a:t>:</a:t>
+                </a:r>
+                <a:endParaRPr lang="en-US" dirty="0" smtClean="0"/>
+              </a:p>
+              <a:p>
+                <a:pPr marL="0" indent="0" algn="r" rtl="1">
+                  <a:buNone/>
+                </a:pPr>
+                <a:r>
+                  <a:rPr lang="ar-SY" dirty="0" smtClean="0"/>
+                  <a:t>هو </a:t>
+                </a:r>
+                <a:r>
+                  <a:rPr lang="ar-SY" dirty="0"/>
+                  <a:t>عدد التصنيفات الصحيحة للعينات الإيجابية على عدد التصنيفات الإيجابية للمصنف، أي تكون قيمة </a:t>
+                </a:r>
+                <a:r>
+                  <a:rPr lang="ar-SY" dirty="0" smtClean="0"/>
+                  <a:t>ال</a:t>
+                </a:r>
+                <a:r>
+                  <a:rPr lang="en-US" dirty="0" smtClean="0"/>
+                  <a:t> precision </a:t>
+                </a:r>
+                <a:r>
+                  <a:rPr lang="ar-SY" dirty="0"/>
+                  <a:t>قليلة عندما يخطأ المصنف كثير اً بالتصنيفات الإيجابية أي </a:t>
+                </a:r>
+                <a:r>
+                  <a:rPr lang="en-US" dirty="0" smtClean="0"/>
+                  <a:t> FP </a:t>
+                </a:r>
+                <a:r>
+                  <a:rPr lang="ar-SY" dirty="0"/>
+                  <a:t>و كبيرة عندما لا يخطأ </a:t>
+                </a:r>
+                <a:r>
+                  <a:rPr lang="ar-SY" dirty="0" smtClean="0"/>
+                  <a:t>فيها</a:t>
+                </a:r>
+                <a:r>
+                  <a:rPr lang="en-US" dirty="0" smtClean="0"/>
+                  <a:t> </a:t>
+                </a:r>
+                <a:r>
+                  <a:rPr lang="ar-SY" dirty="0" smtClean="0"/>
+                  <a:t>كثيرا.</a:t>
+                </a:r>
+                <a:endParaRPr lang="en-US" dirty="0" smtClean="0"/>
+              </a:p>
+              <a:p>
+                <a:pPr algn="r" rtl="1"/>
+                <a:endParaRPr lang="ar-SY" dirty="0" smtClean="0"/>
+              </a:p>
+              <a:p>
+                <a:pPr marL="0" indent="0" algn="ctr">
+                  <a:buNone/>
+                </a:pPr>
+                <a14:m>
+                  <m:oMath xmlns:m="http://schemas.openxmlformats.org/officeDocument/2006/math">
+                    <m:r>
+                      <m:rPr>
+                        <m:sty m:val="p"/>
+                      </m:rPr>
+                      <a:rPr lang="en-US" sz="2000" i="1">
+                        <a:latin typeface="Cambria Math" panose="02040503050406030204" pitchFamily="18" charset="0"/>
+                      </a:rPr>
+                      <m:t>P</m:t>
+                    </m:r>
+                    <m:r>
+                      <a:rPr lang="en-US" sz="2000" b="0" i="1" smtClean="0">
+                        <a:latin typeface="Cambria Math" panose="02040503050406030204" pitchFamily="18" charset="0"/>
+                      </a:rPr>
+                      <m:t>𝑟𝑒𝑐𝑖𝑠𝑖𝑜𝑛</m:t>
+                    </m:r>
+                    <m:r>
+                      <a:rPr lang="en-US" sz="2000" i="1" smtClean="0">
+                        <a:latin typeface="Cambria Math" panose="02040503050406030204" pitchFamily="18" charset="0"/>
+                      </a:rPr>
+                      <m:t>=</m:t>
+                    </m:r>
+                    <m:r>
+                      <a:rPr lang="en-US" sz="2000" b="0" i="1" smtClean="0">
+                        <a:latin typeface="Cambria Math" panose="02040503050406030204" pitchFamily="18" charset="0"/>
+                      </a:rPr>
+                      <m:t> </m:t>
+                    </m:r>
+                    <m:f>
+                      <m:fPr>
+                        <m:ctrlPr>
+                          <a:rPr lang="en-US" sz="2000" b="0" i="1" smtClean="0">
+                            <a:latin typeface="Cambria Math" panose="02040503050406030204" pitchFamily="18" charset="0"/>
+                          </a:rPr>
+                        </m:ctrlPr>
+                      </m:fPr>
+                      <m:num>
+                        <m:r>
+                          <a:rPr lang="en-US" sz="2000" b="0" i="1" smtClean="0">
+                            <a:latin typeface="Cambria Math" panose="02040503050406030204" pitchFamily="18" charset="0"/>
+                          </a:rPr>
+                          <m:t>𝑡𝑟𝑢𝑒</m:t>
+                        </m:r>
+                        <m:r>
+                          <a:rPr lang="en-US" sz="2000" b="0" i="1" smtClean="0">
+                            <a:latin typeface="Cambria Math" panose="02040503050406030204" pitchFamily="18" charset="0"/>
+                          </a:rPr>
+                          <m:t> </m:t>
+                        </m:r>
+                        <m:r>
+                          <a:rPr lang="en-US" sz="2000" b="0" i="1" smtClean="0">
+                            <a:latin typeface="Cambria Math" panose="02040503050406030204" pitchFamily="18" charset="0"/>
+                          </a:rPr>
+                          <m:t>𝑝𝑜𝑠𝑖𝑡𝑖𝑣𝑒𝑠</m:t>
+                        </m:r>
+                      </m:num>
+                      <m:den>
+                        <m:r>
+                          <a:rPr lang="en-US" sz="2000" b="0" i="1" smtClean="0">
+                            <a:latin typeface="Cambria Math" panose="02040503050406030204" pitchFamily="18" charset="0"/>
+                          </a:rPr>
+                          <m:t>𝑝𝑟𝑒𝑑𝑖𝑐𝑡𝑒𝑑</m:t>
+                        </m:r>
+                        <m:r>
+                          <a:rPr lang="en-US" sz="2000" b="0" i="1" smtClean="0">
+                            <a:latin typeface="Cambria Math" panose="02040503050406030204" pitchFamily="18" charset="0"/>
+                          </a:rPr>
+                          <m:t> </m:t>
+                        </m:r>
+                        <m:r>
+                          <a:rPr lang="en-US" sz="2000" b="0" i="1" smtClean="0">
+                            <a:latin typeface="Cambria Math" panose="02040503050406030204" pitchFamily="18" charset="0"/>
+                          </a:rPr>
+                          <m:t>𝑝𝑜𝑠𝑖𝑡𝑒𝑣𝑒𝑠</m:t>
+                        </m:r>
+                      </m:den>
+                    </m:f>
+                    <m:r>
+                      <a:rPr lang="en-US" sz="2000" b="0" i="1" smtClean="0">
+                        <a:latin typeface="Cambria Math" panose="02040503050406030204" pitchFamily="18" charset="0"/>
+                      </a:rPr>
+                      <m:t>= </m:t>
+                    </m:r>
+                    <m:f>
+                      <m:fPr>
+                        <m:ctrlPr>
+                          <a:rPr lang="en-US" sz="2000" b="0" i="1" smtClean="0">
+                            <a:latin typeface="Cambria Math" panose="02040503050406030204" pitchFamily="18" charset="0"/>
+                          </a:rPr>
+                        </m:ctrlPr>
+                      </m:fPr>
+                      <m:num>
+                        <m:r>
+                          <a:rPr lang="en-US" sz="2000" b="0" i="1" smtClean="0">
+                            <a:latin typeface="Cambria Math" panose="02040503050406030204" pitchFamily="18" charset="0"/>
+                          </a:rPr>
+                          <m:t>𝑇𝑃</m:t>
+                        </m:r>
+                      </m:num>
+                      <m:den>
+                        <m:r>
+                          <a:rPr lang="en-US" sz="2000" b="0" i="1" smtClean="0">
+                            <a:latin typeface="Cambria Math" panose="02040503050406030204" pitchFamily="18" charset="0"/>
+                          </a:rPr>
+                          <m:t>𝑇𝑃</m:t>
+                        </m:r>
+                        <m:r>
+                          <a:rPr lang="en-US" sz="2000" b="0" i="1" smtClean="0">
+                            <a:latin typeface="Cambria Math" panose="02040503050406030204" pitchFamily="18" charset="0"/>
+                          </a:rPr>
+                          <m:t>+</m:t>
+                        </m:r>
+                        <m:r>
+                          <a:rPr lang="en-US" sz="2000" b="0" i="1" smtClean="0">
+                            <a:latin typeface="Cambria Math" panose="02040503050406030204" pitchFamily="18" charset="0"/>
+                          </a:rPr>
+                          <m:t>𝐹𝑃</m:t>
+                        </m:r>
+                      </m:den>
+                    </m:f>
+                  </m:oMath>
+                </a14:m>
+                <a:r>
+                  <a:rPr lang="en-US" dirty="0" smtClean="0"/>
+                  <a:t> </a:t>
+                </a:r>
+              </a:p>
+            </p:txBody>
+          </p:sp>
+        </mc:Choice>
+        <mc:Fallback xmlns="">
+          <p:sp>
+            <p:nvSpPr>
+              <p:cNvPr id="3" name="Content Placeholder 2"/>
+              <p:cNvSpPr>
+                <a:spLocks noGrp="1" noRot="1" noChangeAspect="1" noMove="1" noResize="1" noEditPoints="1" noAdjustHandles="1" noChangeArrowheads="1" noChangeShapeType="1" noTextEdit="1"/>
+              </p:cNvSpPr>
+              <p:nvPr>
+                <p:ph idx="1"/>
+              </p:nvPr>
+            </p:nvSpPr>
+            <p:spPr>
+              <a:blipFill>
+                <a:blip r:embed="rId2"/>
+                <a:stretch>
+                  <a:fillRect l="-116" t="-2661" r="-1159"/>
+                </a:stretch>
+              </a:blipFill>
+            </p:spPr>
+            <p:txBody>
+              <a:bodyPr/>
+              <a:lstStyle/>
+              <a:p>
+                <a:r>
+                  <a:rPr lang="en-US">
+                    <a:noFill/>
+                  </a:rPr>
+                  <a:t> </a:t>
+                </a:r>
+              </a:p>
+            </p:txBody>
+          </p:sp>
+        </mc:Fallback>
+      </mc:AlternateContent>
+    </p:spTree>
+    <p:extLst>
+      <p:ext uri="{BB962C8B-B14F-4D97-AF65-F5344CB8AC3E}">
+        <p14:creationId xmlns:p14="http://schemas.microsoft.com/office/powerpoint/2010/main" val="3761869595"/>
+      </p:ext>
+    </p:extLst>
+  </p:cSld>
+  <p:clrMapOvr>
+    <a:masterClrMapping/>
+  </p:clrMapOvr>
+</p:sld>
+</file>
+
+<file path=ppt/slides/slide13.xml><?xml version="1.0" encoding="utf-8"?>
+<p:sld xmlns:a="http://schemas.openxmlformats.org/drawingml/2006/main" xmlns:r="http://schemas.openxmlformats.org/officeDocument/2006/relationships" xmlns:p="http://schemas.openxmlformats.org/presentationml/2006/main">
+  <p:cSld>
+    <p:spTree>
+      <p:nvGrpSpPr>
+        <p:cNvPr id="1" name=""/>
+        <p:cNvGrpSpPr/>
+        <p:nvPr/>
+      </p:nvGrpSpPr>
+      <p:grpSpPr>
+        <a:xfrm>
+          <a:off x="0" y="0"/>
+          <a:ext cx="0" cy="0"/>
+          <a:chOff x="0" y="0"/>
+          <a:chExt cx="0" cy="0"/>
+        </a:xfrm>
+      </p:grpSpPr>
+      <p:sp>
+        <p:nvSpPr>
+          <p:cNvPr id="4" name="Title 1"/>
+          <p:cNvSpPr>
+            <a:spLocks noGrp="1"/>
+          </p:cNvSpPr>
+          <p:nvPr>
+            <p:ph type="title"/>
+          </p:nvPr>
+        </p:nvSpPr>
+        <p:spPr/>
+        <p:txBody>
+          <a:bodyPr/>
+          <a:lstStyle/>
+          <a:p>
+            <a:r>
+              <a:rPr lang="en-US" smtClean="0"/>
+              <a:t>Model evaluation</a:t>
+            </a:r>
+            <a:endParaRPr lang="en-US" dirty="0"/>
+          </a:p>
+        </p:txBody>
+      </p:sp>
+      <mc:AlternateContent xmlns:mc="http://schemas.openxmlformats.org/markup-compatibility/2006" xmlns:a14="http://schemas.microsoft.com/office/drawing/2010/main">
+        <mc:Choice Requires="a14">
+          <p:sp>
+            <p:nvSpPr>
+              <p:cNvPr id="6" name="Content Placeholder 5"/>
+              <p:cNvSpPr>
+                <a:spLocks noGrp="1"/>
+              </p:cNvSpPr>
+              <p:nvPr>
+                <p:ph idx="1"/>
+              </p:nvPr>
+            </p:nvSpPr>
+            <p:spPr/>
+            <p:txBody>
+              <a:bodyPr/>
+              <a:lstStyle/>
+              <a:p>
+                <a:pPr algn="r" rtl="1"/>
+                <a:r>
+                  <a:rPr lang="en-US" dirty="0"/>
+                  <a:t>Recall</a:t>
+                </a:r>
+                <a:r>
+                  <a:rPr lang="ar-SY" dirty="0"/>
+                  <a:t>:</a:t>
+                </a:r>
+                <a:endParaRPr lang="en-US" dirty="0"/>
+              </a:p>
+              <a:p>
+                <a:pPr marL="0" indent="0" algn="r" rtl="1">
+                  <a:buNone/>
+                </a:pPr>
+                <a:r>
+                  <a:rPr lang="ar-SY" dirty="0"/>
+                  <a:t>هو عدد التصنيفات الصحيحة الإيجابية على عدد العينات الإيجابية، أي تكون قيمة ال</a:t>
+                </a:r>
+                <a:r>
+                  <a:rPr lang="en-US" dirty="0"/>
+                  <a:t>recall</a:t>
+                </a:r>
+                <a:r>
+                  <a:rPr lang="ar-SY" dirty="0"/>
+                  <a:t> قليلة عندما</a:t>
+                </a:r>
+                <a:r>
+                  <a:rPr lang="en-US" dirty="0"/>
+                  <a:t> </a:t>
+                </a:r>
+                <a:r>
+                  <a:rPr lang="ar-SY" dirty="0"/>
+                  <a:t>يخطئ المصنف كثيراً بالتصنيفات السلبية أي </a:t>
+                </a:r>
+                <a:r>
+                  <a:rPr lang="en-US" dirty="0"/>
+                  <a:t>FN </a:t>
+                </a:r>
+                <a:r>
+                  <a:rPr lang="ar-SY" dirty="0"/>
+                  <a:t>و كبيرة عندما لا</a:t>
+                </a:r>
+                <a:r>
+                  <a:rPr lang="en-US" dirty="0"/>
+                  <a:t> </a:t>
+                </a:r>
+                <a:r>
+                  <a:rPr lang="ar-SY" dirty="0"/>
+                  <a:t>يخطئ بها كثيراً.</a:t>
+                </a:r>
+                <a:endParaRPr lang="en-US" dirty="0"/>
+              </a:p>
+              <a:p>
+                <a:pPr algn="r" rtl="1"/>
+                <a:endParaRPr lang="ar-SY" dirty="0"/>
+              </a:p>
+              <a:p>
+                <a:pPr marL="0" indent="0">
+                  <a:buNone/>
+                </a:pPr>
+                <a14:m>
+                  <m:oMathPara xmlns:m="http://schemas.openxmlformats.org/officeDocument/2006/math">
+                    <m:oMathParaPr>
+                      <m:jc m:val="center"/>
+                    </m:oMathParaPr>
+                    <m:oMath xmlns:m="http://schemas.openxmlformats.org/officeDocument/2006/math">
+                      <m:r>
+                        <a:rPr lang="en-US" i="1">
+                          <a:latin typeface="Cambria Math" panose="02040503050406030204" pitchFamily="18" charset="0"/>
+                        </a:rPr>
+                        <m:t>𝑅𝑒𝑐𝑎𝑙𝑙</m:t>
+                      </m:r>
+                      <m:r>
+                        <a:rPr lang="en-US" i="1">
+                          <a:latin typeface="Cambria Math" panose="02040503050406030204" pitchFamily="18" charset="0"/>
+                        </a:rPr>
+                        <m:t>= </m:t>
+                      </m:r>
+                      <m:f>
+                        <m:fPr>
+                          <m:ctrlPr>
+                            <a:rPr lang="en-US" i="1">
+                              <a:latin typeface="Cambria Math" panose="02040503050406030204" pitchFamily="18" charset="0"/>
+                            </a:rPr>
+                          </m:ctrlPr>
+                        </m:fPr>
+                        <m:num>
+                          <m:r>
+                            <a:rPr lang="en-US" i="1">
+                              <a:latin typeface="Cambria Math" panose="02040503050406030204" pitchFamily="18" charset="0"/>
+                            </a:rPr>
+                            <m:t>𝑡𝑟𝑢𝑒</m:t>
+                          </m:r>
+                          <m:r>
+                            <a:rPr lang="en-US" i="1">
+                              <a:latin typeface="Cambria Math" panose="02040503050406030204" pitchFamily="18" charset="0"/>
+                            </a:rPr>
+                            <m:t> </m:t>
+                          </m:r>
+                          <m:r>
+                            <a:rPr lang="en-US" i="1">
+                              <a:latin typeface="Cambria Math" panose="02040503050406030204" pitchFamily="18" charset="0"/>
+                            </a:rPr>
+                            <m:t>𝑝𝑜𝑠𝑖𝑡𝑖𝑣𝑒𝑠</m:t>
+                          </m:r>
+                        </m:num>
+                        <m:den>
+                          <m:r>
+                            <a:rPr lang="en-US" i="1">
+                              <a:latin typeface="Cambria Math" panose="02040503050406030204" pitchFamily="18" charset="0"/>
+                            </a:rPr>
+                            <m:t>𝑎𝑐𝑡𝑢𝑎𝑙</m:t>
+                          </m:r>
+                          <m:r>
+                            <a:rPr lang="en-US" i="1">
+                              <a:latin typeface="Cambria Math" panose="02040503050406030204" pitchFamily="18" charset="0"/>
+                            </a:rPr>
+                            <m:t> </m:t>
+                          </m:r>
+                          <m:r>
+                            <a:rPr lang="en-US" i="1">
+                              <a:latin typeface="Cambria Math" panose="02040503050406030204" pitchFamily="18" charset="0"/>
+                            </a:rPr>
+                            <m:t>𝑝𝑜𝑠𝑖𝑡𝑖𝑣𝑒𝑠</m:t>
+                          </m:r>
+                        </m:den>
+                      </m:f>
+                      <m:r>
+                        <a:rPr lang="en-US" i="1">
+                          <a:latin typeface="Cambria Math" panose="02040503050406030204" pitchFamily="18" charset="0"/>
+                        </a:rPr>
+                        <m:t>= </m:t>
+                      </m:r>
+                      <m:f>
+                        <m:fPr>
+                          <m:ctrlPr>
+                            <a:rPr lang="en-US" i="1">
+                              <a:latin typeface="Cambria Math" panose="02040503050406030204" pitchFamily="18" charset="0"/>
+                            </a:rPr>
+                          </m:ctrlPr>
+                        </m:fPr>
+                        <m:num>
+                          <m:r>
+                            <a:rPr lang="en-US" i="1">
+                              <a:latin typeface="Cambria Math" panose="02040503050406030204" pitchFamily="18" charset="0"/>
+                            </a:rPr>
+                            <m:t>𝑇𝑃</m:t>
+                          </m:r>
+                        </m:num>
+                        <m:den>
+                          <m:r>
+                            <a:rPr lang="en-US" i="1">
+                              <a:latin typeface="Cambria Math" panose="02040503050406030204" pitchFamily="18" charset="0"/>
+                            </a:rPr>
+                            <m:t>𝑇𝑃</m:t>
+                          </m:r>
+                          <m:r>
+                            <a:rPr lang="en-US" i="1">
+                              <a:latin typeface="Cambria Math" panose="02040503050406030204" pitchFamily="18" charset="0"/>
+                            </a:rPr>
+                            <m:t>+</m:t>
+                          </m:r>
+                          <m:r>
+                            <a:rPr lang="en-US" i="1">
+                              <a:latin typeface="Cambria Math" panose="02040503050406030204" pitchFamily="18" charset="0"/>
+                            </a:rPr>
+                            <m:t>𝐹𝑁</m:t>
+                          </m:r>
+                        </m:den>
+                      </m:f>
+                    </m:oMath>
+                  </m:oMathPara>
+                </a14:m>
+                <a:endParaRPr lang="en-US" dirty="0"/>
+              </a:p>
+              <a:p>
+                <a:endParaRPr lang="en-US" dirty="0"/>
+              </a:p>
+            </p:txBody>
+          </p:sp>
+        </mc:Choice>
+        <mc:Fallback xmlns="">
+          <p:sp>
+            <p:nvSpPr>
+              <p:cNvPr id="6" name="Content Placeholder 5"/>
+              <p:cNvSpPr>
+                <a:spLocks noGrp="1" noRot="1" noChangeAspect="1" noMove="1" noResize="1" noEditPoints="1" noAdjustHandles="1" noChangeArrowheads="1" noChangeShapeType="1" noTextEdit="1"/>
+              </p:cNvSpPr>
+              <p:nvPr>
+                <p:ph idx="1"/>
+              </p:nvPr>
+            </p:nvSpPr>
+            <p:spPr>
+              <a:blipFill>
+                <a:blip r:embed="rId2"/>
+                <a:stretch>
+                  <a:fillRect l="-232" t="-2661" r="-1159"/>
+                </a:stretch>
+              </a:blipFill>
+            </p:spPr>
+            <p:txBody>
+              <a:bodyPr/>
+              <a:lstStyle/>
+              <a:p>
+                <a:r>
+                  <a:rPr lang="en-US">
+                    <a:noFill/>
+                  </a:rPr>
+                  <a:t> </a:t>
+                </a:r>
+              </a:p>
+            </p:txBody>
+          </p:sp>
+        </mc:Fallback>
+      </mc:AlternateContent>
+    </p:spTree>
+    <p:extLst>
+      <p:ext uri="{BB962C8B-B14F-4D97-AF65-F5344CB8AC3E}">
+        <p14:creationId xmlns:p14="http://schemas.microsoft.com/office/powerpoint/2010/main" val="3670554453"/>
+      </p:ext>
+    </p:extLst>
+  </p:cSld>
+  <p:clrMapOvr>
+    <a:masterClrMapping/>
+  </p:clrMapOvr>
+</p:sld>
+</file>
+
+<file path=ppt/slides/slide14.xml><?xml version="1.0" encoding="utf-8"?>
+<p:sld xmlns:a="http://schemas.openxmlformats.org/drawingml/2006/main" xmlns:r="http://schemas.openxmlformats.org/officeDocument/2006/relationships" xmlns:p="http://schemas.openxmlformats.org/presentationml/2006/main">
+  <p:cSld>
+    <p:spTree>
+      <p:nvGrpSpPr>
+        <p:cNvPr id="1" name=""/>
+        <p:cNvGrpSpPr/>
+        <p:nvPr/>
+      </p:nvGrpSpPr>
+      <p:grpSpPr>
+        <a:xfrm>
+          <a:off x="0" y="0"/>
+          <a:ext cx="0" cy="0"/>
+          <a:chOff x="0" y="0"/>
+          <a:chExt cx="0" cy="0"/>
+        </a:xfrm>
+      </p:grpSpPr>
+      <p:sp>
+        <p:nvSpPr>
+          <p:cNvPr id="2" name="Title 1"/>
+          <p:cNvSpPr>
+            <a:spLocks noGrp="1"/>
+          </p:cNvSpPr>
+          <p:nvPr>
+            <p:ph type="title"/>
+          </p:nvPr>
+        </p:nvSpPr>
+        <p:spPr/>
+        <p:txBody>
+          <a:bodyPr/>
+          <a:lstStyle/>
+          <a:p>
+            <a:r>
+              <a:rPr lang="en-US" dirty="0" smtClean="0"/>
               <a:t>Evaluation results</a:t>
             </a:r>
             <a:endParaRPr lang="en-US" dirty="0"/>
@@ -3299,14 +3898,14 @@
             <p:ph idx="1"/>
             <p:extLst>
               <p:ext uri="{D42A27DB-BD31-4B8C-83A1-F6EECF244321}">
-                <p14:modId xmlns:p14="http://schemas.microsoft.com/office/powerpoint/2010/main" val="2512043166"/>
+                <p14:modId xmlns:p14="http://schemas.microsoft.com/office/powerpoint/2010/main" val="1475711434"/>
               </p:ext>
             </p:extLst>
           </p:nvPr>
         </p:nvGraphicFramePr>
         <p:xfrm>
           <a:off x="838200" y="1825625"/>
-          <a:ext cx="10515600" cy="2225040"/>
+          <a:ext cx="10515600" cy="3032760"/>
         </p:xfrm>
         <a:graphic>
           <a:graphicData uri="http://schemas.openxmlformats.org/drawingml/2006/table">
@@ -3315,8 +3914,10 @@
                 <a:tableStyleId>{616DA210-FB5B-4158-B5E0-FEB733F419BA}</a:tableStyleId>
               </a:tblPr>
               <a:tblGrid>
-                <a:gridCol w="5257800"/>
-                <a:gridCol w="5257800"/>
+                <a:gridCol w="2628900"/>
+                <a:gridCol w="2628900"/>
+                <a:gridCol w="2628900"/>
+                <a:gridCol w="2628900"/>
               </a:tblGrid>
               <a:tr h="370840">
                 <a:tc>
@@ -3343,6 +3944,36 @@
                       <a:r>
                         <a:rPr lang="en-US" dirty="0" smtClean="0"/>
                         <a:t>Accuracy</a:t>
+                      </a:r>
+                      <a:endParaRPr lang="en-US" dirty="0"/>
+                    </a:p>
+                  </a:txBody>
+                  <a:tcPr/>
+                </a:tc>
+                <a:tc>
+                  <a:txBody>
+                    <a:bodyPr/>
+                    <a:lstStyle/>
+                    <a:p>
+                      <a:pPr algn="ctr"/>
+                      <a:r>
+                        <a:rPr lang="en-US" dirty="0" smtClean="0"/>
+                        <a:t>Precision</a:t>
+                      </a:r>
+                      <a:endParaRPr lang="en-US" dirty="0"/>
+                    </a:p>
+                  </a:txBody>
+                  <a:tcPr/>
+                </a:tc>
+                <a:tc>
+                  <a:txBody>
+                    <a:bodyPr/>
+                    <a:lstStyle/>
+                    <a:p>
+                      <a:pPr algn="ctr"/>
+                      <a:r>
+                        <a:rPr lang="en-US" dirty="0" smtClean="0"/>
+                        <a:t>Recall</a:t>
                       </a:r>
                       <a:endParaRPr lang="en-US" dirty="0"/>
                     </a:p>
@@ -3396,6 +4027,40 @@
                   </a:txBody>
                   <a:tcPr/>
                 </a:tc>
+                <a:tc>
+                  <a:txBody>
+                    <a:bodyPr/>
+                    <a:lstStyle/>
+                    <a:p>
+                      <a:pPr algn="ctr"/>
+                      <a:r>
+                        <a:rPr lang="en-US" dirty="0" smtClean="0"/>
+                        <a:t>66</a:t>
+                      </a:r>
+                      <a:r>
+                        <a:rPr lang="en-US" baseline="0" dirty="0" smtClean="0"/>
+                        <a:t>%</a:t>
+                      </a:r>
+                      <a:endParaRPr lang="en-US" dirty="0"/>
+                    </a:p>
+                  </a:txBody>
+                  <a:tcPr/>
+                </a:tc>
+                <a:tc>
+                  <a:txBody>
+                    <a:bodyPr/>
+                    <a:lstStyle/>
+                    <a:p>
+                      <a:pPr algn="ctr"/>
+                      <a:r>
+                        <a:rPr lang="en-US" dirty="0" smtClean="0"/>
+                        <a:t>64%</a:t>
+                      </a:r>
+                      <a:endParaRPr lang="en-US" dirty="0"/>
+                    </a:p>
+                  </a:txBody>
+                  <a:tcPr/>
+                </a:tc>
               </a:tr>
               <a:tr h="370840">
                 <a:tc>
@@ -3421,6 +4086,36 @@
                       <a:r>
                         <a:rPr lang="en-US" dirty="0" smtClean="0"/>
                         <a:t>64.67%</a:t>
+                      </a:r>
+                      <a:endParaRPr lang="en-US" dirty="0"/>
+                    </a:p>
+                  </a:txBody>
+                  <a:tcPr/>
+                </a:tc>
+                <a:tc>
+                  <a:txBody>
+                    <a:bodyPr/>
+                    <a:lstStyle/>
+                    <a:p>
+                      <a:pPr algn="ctr"/>
+                      <a:r>
+                        <a:rPr lang="en-US" dirty="0" smtClean="0"/>
+                        <a:t>68%</a:t>
+                      </a:r>
+                      <a:endParaRPr lang="en-US" dirty="0"/>
+                    </a:p>
+                  </a:txBody>
+                  <a:tcPr/>
+                </a:tc>
+                <a:tc>
+                  <a:txBody>
+                    <a:bodyPr/>
+                    <a:lstStyle/>
+                    <a:p>
+                      <a:pPr algn="ctr"/>
+                      <a:r>
+                        <a:rPr lang="en-US" dirty="0" smtClean="0"/>
+                        <a:t>62.61%</a:t>
                       </a:r>
                       <a:endParaRPr lang="en-US" dirty="0"/>
                     </a:p>
@@ -3474,6 +4169,36 @@
                   </a:txBody>
                   <a:tcPr/>
                 </a:tc>
+                <a:tc>
+                  <a:txBody>
+                    <a:bodyPr/>
+                    <a:lstStyle/>
+                    <a:p>
+                      <a:pPr algn="ctr"/>
+                      <a:r>
+                        <a:rPr lang="en-US" dirty="0" smtClean="0"/>
+                        <a:t>30.81%</a:t>
+                      </a:r>
+                      <a:endParaRPr lang="en-US" dirty="0"/>
+                    </a:p>
+                  </a:txBody>
+                  <a:tcPr/>
+                </a:tc>
+                <a:tc>
+                  <a:txBody>
+                    <a:bodyPr/>
+                    <a:lstStyle/>
+                    <a:p>
+                      <a:pPr algn="ctr"/>
+                      <a:r>
+                        <a:rPr lang="en-US" dirty="0" smtClean="0"/>
+                        <a:t>90.36%</a:t>
+                      </a:r>
+                      <a:endParaRPr lang="en-US" dirty="0"/>
+                    </a:p>
+                  </a:txBody>
+                  <a:tcPr/>
+                </a:tc>
               </a:tr>
               <a:tr h="370840">
                 <a:tc>
@@ -3516,6 +4241,28 @@
                         <a:rPr lang="en-US" dirty="0" smtClean="0"/>
                         <a:t>65.40%</a:t>
                       </a:r>
+                      <a:endParaRPr lang="en-US" dirty="0"/>
+                    </a:p>
+                  </a:txBody>
+                  <a:tcPr/>
+                </a:tc>
+                <a:tc>
+                  <a:txBody>
+                    <a:bodyPr/>
+                    <a:lstStyle/>
+                    <a:p>
+                      <a:pPr algn="ctr"/>
+                      <a:endParaRPr lang="en-US" dirty="0"/>
+                    </a:p>
+                  </a:txBody>
+                  <a:tcPr/>
+                </a:tc>
+                <a:tc>
+                  <a:txBody>
+                    <a:bodyPr/>
+                    <a:lstStyle/>
+                    <a:p>
+                      <a:pPr algn="ctr"/>
                       <a:endParaRPr lang="en-US" dirty="0"/>
                     </a:p>
                   </a:txBody>
@@ -3568,6 +4315,36 @@
                   </a:txBody>
                   <a:tcPr/>
                 </a:tc>
+                <a:tc>
+                  <a:txBody>
+                    <a:bodyPr/>
+                    <a:lstStyle/>
+                    <a:p>
+                      <a:pPr algn="ctr"/>
+                      <a:r>
+                        <a:rPr lang="en-US" dirty="0" smtClean="0"/>
+                        <a:t>66.87%</a:t>
+                      </a:r>
+                      <a:endParaRPr lang="en-US" dirty="0"/>
+                    </a:p>
+                  </a:txBody>
+                  <a:tcPr/>
+                </a:tc>
+                <a:tc>
+                  <a:txBody>
+                    <a:bodyPr/>
+                    <a:lstStyle/>
+                    <a:p>
+                      <a:pPr algn="ctr"/>
+                      <a:r>
+                        <a:rPr lang="en-US" dirty="0" smtClean="0"/>
+                        <a:t>87.38%</a:t>
+                      </a:r>
+                      <a:endParaRPr lang="en-US" dirty="0"/>
+                    </a:p>
+                  </a:txBody>
+                  <a:tcPr/>
+                </a:tc>
               </a:tr>
             </a:tbl>
           </a:graphicData>
@@ -7728,15 +8505,7 @@
             <a:pPr algn="r" rtl="1"/>
             <a:r>
               <a:rPr lang="ar-SY" dirty="0" smtClean="0"/>
-              <a:t>استخدمنا </a:t>
-            </a:r>
-            <a:r>
-              <a:rPr lang="ar-SY" dirty="0" smtClean="0"/>
-              <a:t>الطرق التالية لاستخراج </a:t>
-            </a:r>
-            <a:r>
-              <a:rPr lang="ar-SY" dirty="0" smtClean="0"/>
-              <a:t>ال</a:t>
+              <a:t>استخدمنا الطرق التالية لاستخراج ال</a:t>
             </a:r>
             <a:r>
               <a:rPr lang="en-US" dirty="0" smtClean="0"/>
@@ -7755,11 +8524,7 @@
             <a:pPr algn="r" rtl="1"/>
             <a:r>
               <a:rPr lang="en-US" dirty="0" smtClean="0"/>
-              <a:t>Bag of </a:t>
-            </a:r>
-            <a:r>
-              <a:rPr lang="en-US" dirty="0" smtClean="0"/>
-              <a:t>words</a:t>
+              <a:t>Bag of words</a:t>
             </a:r>
             <a:endParaRPr lang="ar-SY" dirty="0" smtClean="0"/>
           </a:p>
